--- a/Inegalitatea Erdős-Mordell.pptx
+++ b/Inegalitatea Erdős-Mordell.pptx
@@ -5867,28 +5867,21 @@
                     <a:latin typeface="Times New Roman" panose="02020603050405020304" pitchFamily="18" charset="0"/>
                     <a:cs typeface="Times New Roman" panose="02020603050405020304" pitchFamily="18" charset="0"/>
                   </a:rPr>
-                  <a:t>sau dacă ținem seama de </a:t>
-                </a:r>
-                <a:r>
-                  <a:rPr lang="ro-RO" i="1" dirty="0">
-                    <a:latin typeface="Times New Roman" panose="02020603050405020304" pitchFamily="18" charset="0"/>
-                    <a:cs typeface="Times New Roman" panose="02020603050405020304" pitchFamily="18" charset="0"/>
-                  </a:rPr>
-                  <a:t>(</a:t>
-                </a:r>
-                <a:r>
-                  <a:rPr lang="en-US" i="1" dirty="0">
-                    <a:latin typeface="Times New Roman" panose="02020603050405020304" pitchFamily="18" charset="0"/>
-                    <a:cs typeface="Times New Roman" panose="02020603050405020304" pitchFamily="18" charset="0"/>
-                  </a:rPr>
-                  <a:t>＊＊</a:t>
-                </a:r>
-                <a:r>
-                  <a:rPr lang="ro-RO" i="1" dirty="0">
-                    <a:latin typeface="Times New Roman" panose="02020603050405020304" pitchFamily="18" charset="0"/>
-                    <a:cs typeface="Times New Roman" panose="02020603050405020304" pitchFamily="18" charset="0"/>
-                  </a:rPr>
-                  <a:t>) </a:t>
+                  <a:t>sau dacă ținem seama </a:t>
+                </a:r>
+                <a:r>
+                  <a:rPr lang="ro-RO">
+                    <a:latin typeface="Times New Roman" panose="02020603050405020304" pitchFamily="18" charset="0"/>
+                    <a:cs typeface="Times New Roman" panose="02020603050405020304" pitchFamily="18" charset="0"/>
+                  </a:rPr>
+                  <a:t>de </a:t>
+                </a:r>
+                <a:r>
+                  <a:rPr lang="ro-RO" i="1">
+                    <a:latin typeface="Times New Roman" panose="02020603050405020304" pitchFamily="18" charset="0"/>
+                    <a:cs typeface="Times New Roman" panose="02020603050405020304" pitchFamily="18" charset="0"/>
+                  </a:rPr>
+                  <a:t>(2) </a:t>
                 </a:r>
                 <a:r>
                   <a:rPr lang="ro-RO" dirty="0">
@@ -9919,7 +9912,21 @@
                 <a:latin typeface="Times New Roman" panose="02020603050405020304" pitchFamily="18" charset="0"/>
                 <a:cs typeface="Times New Roman" panose="02020603050405020304" pitchFamily="18" charset="0"/>
               </a:rPr>
-              <a:t>-MORDELL-BARROW</a:t>
+              <a:t>-MORDELL</a:t>
+            </a:r>
+            <a:r>
+              <a:rPr lang="ro-RO" b="1" i="1" dirty="0">
+                <a:latin typeface="Times New Roman" panose="02020603050405020304" pitchFamily="18" charset="0"/>
+                <a:cs typeface="Times New Roman" panose="02020603050405020304" pitchFamily="18" charset="0"/>
+              </a:rPr>
+              <a:t> </a:t>
+            </a:r>
+            <a:r>
+              <a:rPr lang="en-US" b="1" i="1" dirty="0">
+                <a:latin typeface="Times New Roman" panose="02020603050405020304" pitchFamily="18" charset="0"/>
+                <a:cs typeface="Times New Roman" panose="02020603050405020304" pitchFamily="18" charset="0"/>
+              </a:rPr>
+              <a:t>BARROW</a:t>
             </a:r>
             <a:r>
               <a:rPr lang="en-US" dirty="0">
